--- a/Dog_Breed_Classification-PPT.pptx
+++ b/Dog_Breed_Classification-PPT.pptx
@@ -321,7 +321,7 @@
           <a:p>
             <a:fld id="{4AAD347D-5ACD-4C99-B74B-A9C85AD731AF}" type="datetimeFigureOut">
               <a:rPr lang="en-US" dirty="0"/>
-              <a:t>7/23/2024</a:t>
+              <a:t>7/24/2024</a:t>
             </a:fld>
             <a:endParaRPr lang="en-US" dirty="0"/>
           </a:p>
@@ -591,7 +591,7 @@
           <a:p>
             <a:fld id="{4509A250-FF31-4206-8172-F9D3106AACB1}" type="datetimeFigureOut">
               <a:rPr lang="en-US" dirty="0"/>
-              <a:t>7/23/2024</a:t>
+              <a:t>7/24/2024</a:t>
             </a:fld>
             <a:endParaRPr lang="en-US" dirty="0"/>
           </a:p>
@@ -780,7 +780,7 @@
           <a:p>
             <a:fld id="{4509A250-FF31-4206-8172-F9D3106AACB1}" type="datetimeFigureOut">
               <a:rPr lang="en-US" dirty="0"/>
-              <a:t>7/23/2024</a:t>
+              <a:t>7/24/2024</a:t>
             </a:fld>
             <a:endParaRPr lang="en-US" dirty="0"/>
           </a:p>
@@ -1048,7 +1048,7 @@
           <a:p>
             <a:fld id="{4509A250-FF31-4206-8172-F9D3106AACB1}" type="datetimeFigureOut">
               <a:rPr lang="en-US" dirty="0"/>
-              <a:t>7/23/2024</a:t>
+              <a:t>7/24/2024</a:t>
             </a:fld>
             <a:endParaRPr lang="en-US" dirty="0"/>
           </a:p>
@@ -1384,7 +1384,7 @@
           <a:p>
             <a:fld id="{4509A250-FF31-4206-8172-F9D3106AACB1}" type="datetimeFigureOut">
               <a:rPr lang="en-US" dirty="0"/>
-              <a:t>7/23/2024</a:t>
+              <a:t>7/24/2024</a:t>
             </a:fld>
             <a:endParaRPr lang="en-US" dirty="0"/>
           </a:p>
@@ -2002,7 +2002,7 @@
           <a:p>
             <a:fld id="{4509A250-FF31-4206-8172-F9D3106AACB1}" type="datetimeFigureOut">
               <a:rPr lang="en-US" dirty="0"/>
-              <a:t>7/23/2024</a:t>
+              <a:t>7/24/2024</a:t>
             </a:fld>
             <a:endParaRPr lang="en-US" dirty="0"/>
           </a:p>
@@ -2857,7 +2857,7 @@
           <a:p>
             <a:fld id="{4509A250-FF31-4206-8172-F9D3106AACB1}" type="datetimeFigureOut">
               <a:rPr lang="en-US" dirty="0"/>
-              <a:t>7/23/2024</a:t>
+              <a:t>7/24/2024</a:t>
             </a:fld>
             <a:endParaRPr lang="en-US" dirty="0"/>
           </a:p>
@@ -3022,7 +3022,7 @@
           <a:p>
             <a:fld id="{4509A250-FF31-4206-8172-F9D3106AACB1}" type="datetimeFigureOut">
               <a:rPr lang="en-US" dirty="0"/>
-              <a:t>7/23/2024</a:t>
+              <a:t>7/24/2024</a:t>
             </a:fld>
             <a:endParaRPr lang="en-US" dirty="0"/>
           </a:p>
@@ -3197,7 +3197,7 @@
           <a:p>
             <a:fld id="{4509A250-FF31-4206-8172-F9D3106AACB1}" type="datetimeFigureOut">
               <a:rPr lang="en-US" dirty="0"/>
-              <a:t>7/23/2024</a:t>
+              <a:t>7/24/2024</a:t>
             </a:fld>
             <a:endParaRPr lang="en-US" dirty="0"/>
           </a:p>
@@ -3362,7 +3362,7 @@
           <a:p>
             <a:fld id="{4509A250-FF31-4206-8172-F9D3106AACB1}" type="datetimeFigureOut">
               <a:rPr lang="en-US" dirty="0"/>
-              <a:t>7/23/2024</a:t>
+              <a:t>7/24/2024</a:t>
             </a:fld>
             <a:endParaRPr lang="en-US" dirty="0"/>
           </a:p>
@@ -3604,7 +3604,7 @@
           <a:p>
             <a:fld id="{9796027F-7875-4030-9381-8BD8C4F21935}" type="datetimeFigureOut">
               <a:rPr lang="en-US" dirty="0"/>
-              <a:t>7/23/2024</a:t>
+              <a:t>7/24/2024</a:t>
             </a:fld>
             <a:endParaRPr lang="en-US" dirty="0"/>
           </a:p>
@@ -3891,7 +3891,7 @@
           <a:p>
             <a:fld id="{9796027F-7875-4030-9381-8BD8C4F21935}" type="datetimeFigureOut">
               <a:rPr lang="en-US" dirty="0"/>
-              <a:t>7/23/2024</a:t>
+              <a:t>7/24/2024</a:t>
             </a:fld>
             <a:endParaRPr lang="en-US" dirty="0"/>
           </a:p>
@@ -4330,7 +4330,7 @@
           <a:p>
             <a:fld id="{9796027F-7875-4030-9381-8BD8C4F21935}" type="datetimeFigureOut">
               <a:rPr lang="en-US" dirty="0"/>
-              <a:t>7/23/2024</a:t>
+              <a:t>7/24/2024</a:t>
             </a:fld>
             <a:endParaRPr lang="en-US" dirty="0"/>
           </a:p>
@@ -4443,7 +4443,7 @@
           <a:p>
             <a:fld id="{4509A250-FF31-4206-8172-F9D3106AACB1}" type="datetimeFigureOut">
               <a:rPr lang="en-US" dirty="0"/>
-              <a:t>7/23/2024</a:t>
+              <a:t>7/24/2024</a:t>
             </a:fld>
             <a:endParaRPr lang="en-US" dirty="0"/>
           </a:p>
@@ -4533,7 +4533,7 @@
           <a:p>
             <a:fld id="{4509A250-FF31-4206-8172-F9D3106AACB1}" type="datetimeFigureOut">
               <a:rPr lang="en-US" dirty="0"/>
-              <a:t>7/23/2024</a:t>
+              <a:t>7/24/2024</a:t>
             </a:fld>
             <a:endParaRPr lang="en-US" dirty="0"/>
           </a:p>
@@ -4807,7 +4807,7 @@
           <a:p>
             <a:fld id="{4509A250-FF31-4206-8172-F9D3106AACB1}" type="datetimeFigureOut">
               <a:rPr lang="en-US" dirty="0"/>
-              <a:t>7/23/2024</a:t>
+              <a:t>7/24/2024</a:t>
             </a:fld>
             <a:endParaRPr lang="en-US" dirty="0"/>
           </a:p>
@@ -5077,7 +5077,7 @@
           <a:p>
             <a:fld id="{4509A250-FF31-4206-8172-F9D3106AACB1}" type="datetimeFigureOut">
               <a:rPr lang="en-US" dirty="0"/>
-              <a:t>7/23/2024</a:t>
+              <a:t>7/24/2024</a:t>
             </a:fld>
             <a:endParaRPr lang="en-US" dirty="0"/>
           </a:p>
@@ -5501,7 +5501,7 @@
           <a:p>
             <a:fld id="{4AAD347D-5ACD-4C99-B74B-A9C85AD731AF}" type="datetimeFigureOut">
               <a:rPr lang="en-US" dirty="0"/>
-              <a:t>7/23/2024</a:t>
+              <a:t>7/24/2024</a:t>
             </a:fld>
             <a:endParaRPr lang="en-US" dirty="0"/>
           </a:p>
@@ -6064,8 +6064,8 @@
         </p:nvSpPr>
         <p:spPr>
           <a:xfrm>
-            <a:off x="2258006" y="4030824"/>
-            <a:ext cx="8528181" cy="1679512"/>
+            <a:off x="606490" y="3689798"/>
+            <a:ext cx="11448661" cy="2020538"/>
           </a:xfrm>
         </p:spPr>
         <p:txBody>
@@ -6084,7 +6084,45 @@
                 <a:latin typeface="Arial" panose="020B0604020202020204" pitchFamily="34" charset="0"/>
                 <a:cs typeface="Arial" panose="020B0604020202020204" pitchFamily="34" charset="0"/>
               </a:rPr>
-              <a:t>                                                                  Presentation by:    </a:t>
+              <a:t>  Authorization by: </a:t>
+            </a:r>
+            <a:r>
+              <a:rPr lang="en-IN" sz="1400" dirty="0" err="1"/>
+              <a:t>Middi</a:t>
+            </a:r>
+            <a:r>
+              <a:rPr lang="en-IN" sz="1400" dirty="0"/>
+              <a:t> Venkata Sai Rishita ,</a:t>
+            </a:r>
+          </a:p>
+          <a:p>
+            <a:r>
+              <a:rPr lang="en-IN" sz="1400"/>
+              <a:t>Tanvir Ahmed Harris </a:t>
+            </a:r>
+            <a:r>
+              <a:rPr lang="en-IN" sz="1600" b="1">
+                <a:solidFill>
+                  <a:schemeClr val="tx1">
+                    <a:lumMod val="95000"/>
+                  </a:schemeClr>
+                </a:solidFill>
+                <a:latin typeface="Arial" panose="020B0604020202020204" pitchFamily="34" charset="0"/>
+                <a:cs typeface="Arial" panose="020B0604020202020204" pitchFamily="34" charset="0"/>
+              </a:rPr>
+              <a:t>                                                                        Presentation </a:t>
+            </a:r>
+            <a:r>
+              <a:rPr lang="en-IN" sz="1600" b="1" dirty="0">
+                <a:solidFill>
+                  <a:schemeClr val="tx1">
+                    <a:lumMod val="95000"/>
+                  </a:schemeClr>
+                </a:solidFill>
+                <a:latin typeface="Arial" panose="020B0604020202020204" pitchFamily="34" charset="0"/>
+                <a:cs typeface="Arial" panose="020B0604020202020204" pitchFamily="34" charset="0"/>
+              </a:rPr>
+              <a:t>by:    </a:t>
             </a:r>
             <a:r>
               <a:rPr lang="en-IN" sz="1600" b="1" dirty="0" err="1">
@@ -6143,7 +6181,7 @@
                 <a:latin typeface="Arial" panose="020B0604020202020204" pitchFamily="34" charset="0"/>
                 <a:cs typeface="Arial" panose="020B0604020202020204" pitchFamily="34" charset="0"/>
               </a:rPr>
-              <a:t>                                                                              School ID :    700759000</a:t>
+              <a:t>                                                                                                           School ID :    700759000</a:t>
             </a:r>
             <a:endParaRPr lang="en-IN" sz="1600" b="1" dirty="0">
               <a:solidFill>
